--- a/Data/ppt/SACANet.pptx
+++ b/Data/ppt/SACANet.pptx
@@ -221,7 +221,7 @@
           <a:p>
             <a:fld id="{F0A48A84-EFDF-8248-9273-5E00AD3E23D6}" type="datetimeFigureOut">
               <a:rPr kumimoji="1" lang="zh-CN" altLang="en-US" smtClean="0"/>
-              <a:t>2023/12/18</a:t>
+              <a:t>2023/12/22</a:t>
             </a:fld>
             <a:endParaRPr kumimoji="1" lang="zh-CN" altLang="en-US"/>
           </a:p>
@@ -2141,7 +2141,7 @@
           <a:p>
             <a:fld id="{C764DE79-268F-4C1A-8933-263129D2AF90}" type="datetimeFigureOut">
               <a:rPr lang="en-US" dirty="0"/>
-              <a:t>12/18/2023</a:t>
+              <a:t>12/22/2023</a:t>
             </a:fld>
             <a:endParaRPr lang="en-US" dirty="0"/>
           </a:p>
@@ -3879,7 +3879,7 @@
           <a:p>
             <a:fld id="{C764DE79-268F-4C1A-8933-263129D2AF90}" type="datetimeFigureOut">
               <a:rPr lang="en-US" dirty="0"/>
-              <a:t>12/18/2023</a:t>
+              <a:t>12/22/2023</a:t>
             </a:fld>
             <a:endParaRPr lang="en-US" dirty="0"/>
           </a:p>
@@ -8807,13 +8807,7 @@
               <a:rPr lang="zh-CN" altLang="en-US" sz="2400" dirty="0">
                 <a:sym typeface="Wingdings" panose="05000000000000000000" pitchFamily="2" charset="2"/>
               </a:rPr>
-              <a:t>将存在大量背景噪音的像素的特征表示替换为语义信息更加丰富的</a:t>
-            </a:r>
-            <a:r>
-              <a:rPr lang="zh-CN" altLang="en-US" sz="2400">
-                <a:sym typeface="Wingdings" panose="05000000000000000000" pitchFamily="2" charset="2"/>
-              </a:rPr>
-              <a:t>类表示</a:t>
+              <a:t>将存在大量背景噪音的像素的特征表示替换为语义信息更加丰富的类表示</a:t>
             </a:r>
             <a:endParaRPr lang="en-US" altLang="zh-CN" sz="2400" dirty="0">
               <a:sym typeface="Wingdings" panose="05000000000000000000" pitchFamily="2" charset="2"/>
